--- a/LSTM/A Gentle Tutorials On LSTM final.pptx
+++ b/LSTM/A Gentle Tutorials On LSTM final.pptx
@@ -133,6 +133,35 @@
 </p:presentation>
 </file>
 
+<file path=ppt/changesInfos/changesInfo1.xml><?xml version="1.0" encoding="utf-8"?>
+<pc:chgInfo xmlns:a="http://schemas.openxmlformats.org/drawingml/2006/main" xmlns:r="http://schemas.openxmlformats.org/officeDocument/2006/relationships" xmlns:ac="http://schemas.microsoft.com/office/drawing/2013/main/command" xmlns:pc="http://schemas.microsoft.com/office/powerpoint/2013/main/command">
+  <pc:docChgLst>
+    <pc:chgData name="weihao li" userId="ba596c1e360a5c3e" providerId="LiveId" clId="{EFA7166A-05D6-414E-9699-FF45846DF4C2}"/>
+    <pc:docChg chg="undo modSld">
+      <pc:chgData name="weihao li" userId="ba596c1e360a5c3e" providerId="LiveId" clId="{EFA7166A-05D6-414E-9699-FF45846DF4C2}" dt="2020-02-02T16:56:48.541" v="2" actId="5793"/>
+      <pc:docMkLst>
+        <pc:docMk/>
+      </pc:docMkLst>
+      <pc:sldChg chg="modSp">
+        <pc:chgData name="weihao li" userId="ba596c1e360a5c3e" providerId="LiveId" clId="{EFA7166A-05D6-414E-9699-FF45846DF4C2}" dt="2020-02-02T16:56:48.541" v="2" actId="5793"/>
+        <pc:sldMkLst>
+          <pc:docMk/>
+          <pc:sldMk cId="3073660366" sldId="266"/>
+        </pc:sldMkLst>
+        <pc:spChg chg="mod">
+          <ac:chgData name="weihao li" userId="ba596c1e360a5c3e" providerId="LiveId" clId="{EFA7166A-05D6-414E-9699-FF45846DF4C2}" dt="2020-02-02T16:56:48.541" v="2" actId="5793"/>
+          <ac:spMkLst>
+            <pc:docMk/>
+            <pc:sldMk cId="3073660366" sldId="266"/>
+            <ac:spMk id="3" creationId="{A89078E8-4A91-4840-BD0A-AD90DED90B1B}"/>
+          </ac:spMkLst>
+        </pc:spChg>
+      </pc:sldChg>
+    </pc:docChg>
+  </pc:docChgLst>
+</pc:chgInfo>
+</file>
+
 <file path=ppt/notesMasters/notesMaster1.xml><?xml version="1.0" encoding="utf-8"?>
 <p:notesMaster xmlns:a="http://schemas.openxmlformats.org/drawingml/2006/main" xmlns:r="http://schemas.openxmlformats.org/officeDocument/2006/relationships" xmlns:p="http://schemas.openxmlformats.org/presentationml/2006/main">
   <p:cSld>
@@ -215,7 +244,7 @@
           <a:p>
             <a:fld id="{651F5406-E200-4472-8E57-9CB9F58CFFC3}" type="datetimeFigureOut">
               <a:rPr lang="zh-CN" altLang="en-US" smtClean="0"/>
-              <a:t>2020/2/1</a:t>
+              <a:t>2020/2/2</a:t>
             </a:fld>
             <a:endParaRPr lang="zh-CN" altLang="en-US"/>
           </a:p>
@@ -2263,7 +2292,7 @@
           <a:p>
             <a:fld id="{696A9A72-EF04-4CB9-9246-5681ABA8783A}" type="datetimeFigureOut">
               <a:rPr lang="en-US" smtClean="0"/>
-              <a:t>2/1/2020</a:t>
+              <a:t>2/2/2020</a:t>
             </a:fld>
             <a:endParaRPr lang="en-US"/>
           </a:p>
@@ -2461,7 +2490,7 @@
           <a:p>
             <a:fld id="{696A9A72-EF04-4CB9-9246-5681ABA8783A}" type="datetimeFigureOut">
               <a:rPr lang="en-US" smtClean="0"/>
-              <a:t>2/1/2020</a:t>
+              <a:t>2/2/2020</a:t>
             </a:fld>
             <a:endParaRPr lang="en-US"/>
           </a:p>
@@ -2669,7 +2698,7 @@
           <a:p>
             <a:fld id="{696A9A72-EF04-4CB9-9246-5681ABA8783A}" type="datetimeFigureOut">
               <a:rPr lang="en-US" smtClean="0"/>
-              <a:t>2/1/2020</a:t>
+              <a:t>2/2/2020</a:t>
             </a:fld>
             <a:endParaRPr lang="en-US"/>
           </a:p>
@@ -2867,7 +2896,7 @@
           <a:p>
             <a:fld id="{696A9A72-EF04-4CB9-9246-5681ABA8783A}" type="datetimeFigureOut">
               <a:rPr lang="en-US" smtClean="0"/>
-              <a:t>2/1/2020</a:t>
+              <a:t>2/2/2020</a:t>
             </a:fld>
             <a:endParaRPr lang="en-US"/>
           </a:p>
@@ -3142,7 +3171,7 @@
           <a:p>
             <a:fld id="{696A9A72-EF04-4CB9-9246-5681ABA8783A}" type="datetimeFigureOut">
               <a:rPr lang="en-US" smtClean="0"/>
-              <a:t>2/1/2020</a:t>
+              <a:t>2/2/2020</a:t>
             </a:fld>
             <a:endParaRPr lang="en-US"/>
           </a:p>
@@ -3407,7 +3436,7 @@
           <a:p>
             <a:fld id="{696A9A72-EF04-4CB9-9246-5681ABA8783A}" type="datetimeFigureOut">
               <a:rPr lang="en-US" smtClean="0"/>
-              <a:t>2/1/2020</a:t>
+              <a:t>2/2/2020</a:t>
             </a:fld>
             <a:endParaRPr lang="en-US"/>
           </a:p>
@@ -3819,7 +3848,7 @@
           <a:p>
             <a:fld id="{696A9A72-EF04-4CB9-9246-5681ABA8783A}" type="datetimeFigureOut">
               <a:rPr lang="en-US" smtClean="0"/>
-              <a:t>2/1/2020</a:t>
+              <a:t>2/2/2020</a:t>
             </a:fld>
             <a:endParaRPr lang="en-US"/>
           </a:p>
@@ -3960,7 +3989,7 @@
           <a:p>
             <a:fld id="{696A9A72-EF04-4CB9-9246-5681ABA8783A}" type="datetimeFigureOut">
               <a:rPr lang="en-US" smtClean="0"/>
-              <a:t>2/1/2020</a:t>
+              <a:t>2/2/2020</a:t>
             </a:fld>
             <a:endParaRPr lang="en-US"/>
           </a:p>
@@ -4073,7 +4102,7 @@
           <a:p>
             <a:fld id="{696A9A72-EF04-4CB9-9246-5681ABA8783A}" type="datetimeFigureOut">
               <a:rPr lang="en-US" smtClean="0"/>
-              <a:t>2/1/2020</a:t>
+              <a:t>2/2/2020</a:t>
             </a:fld>
             <a:endParaRPr lang="en-US"/>
           </a:p>
@@ -4384,7 +4413,7 @@
           <a:p>
             <a:fld id="{696A9A72-EF04-4CB9-9246-5681ABA8783A}" type="datetimeFigureOut">
               <a:rPr lang="en-US" smtClean="0"/>
-              <a:t>2/1/2020</a:t>
+              <a:t>2/2/2020</a:t>
             </a:fld>
             <a:endParaRPr lang="en-US"/>
           </a:p>
@@ -4672,7 +4701,7 @@
           <a:p>
             <a:fld id="{696A9A72-EF04-4CB9-9246-5681ABA8783A}" type="datetimeFigureOut">
               <a:rPr lang="en-US" smtClean="0"/>
-              <a:t>2/1/2020</a:t>
+              <a:t>2/2/2020</a:t>
             </a:fld>
             <a:endParaRPr lang="en-US"/>
           </a:p>
@@ -4913,7 +4942,7 @@
           <a:p>
             <a:fld id="{696A9A72-EF04-4CB9-9246-5681ABA8783A}" type="datetimeFigureOut">
               <a:rPr lang="en-US" smtClean="0"/>
-              <a:t>2/1/2020</a:t>
+              <a:t>2/2/2020</a:t>
             </a:fld>
             <a:endParaRPr lang="en-US"/>
           </a:p>
@@ -5461,8 +5490,8 @@
           </a:p>
         </p:txBody>
       </p:sp>
-      <mc:AlternateContent xmlns:mc="http://schemas.openxmlformats.org/markup-compatibility/2006">
-        <mc:Choice xmlns:a14="http://schemas.microsoft.com/office/drawing/2010/main" Requires="a14">
+      <mc:AlternateContent xmlns:mc="http://schemas.openxmlformats.org/markup-compatibility/2006" xmlns:a14="http://schemas.microsoft.com/office/drawing/2010/main">
+        <mc:Choice Requires="a14">
           <p:sp>
             <p:nvSpPr>
               <p:cNvPr id="3" name="Content Placeholder 2">
@@ -5691,7 +5720,7 @@
             </p:txBody>
           </p:sp>
         </mc:Choice>
-        <mc:Fallback>
+        <mc:Fallback xmlns="">
           <p:sp>
             <p:nvSpPr>
               <p:cNvPr id="3" name="Content Placeholder 2">
@@ -6061,8 +6090,8 @@
           </a:p>
         </p:txBody>
       </p:sp>
-      <mc:AlternateContent xmlns:mc="http://schemas.openxmlformats.org/markup-compatibility/2006">
-        <mc:Choice xmlns:a14="http://schemas.microsoft.com/office/drawing/2010/main" Requires="a14">
+      <mc:AlternateContent xmlns:mc="http://schemas.openxmlformats.org/markup-compatibility/2006" xmlns:a14="http://schemas.microsoft.com/office/drawing/2010/main">
+        <mc:Choice Requires="a14">
           <p:sp>
             <p:nvSpPr>
               <p:cNvPr id="3" name="Content Placeholder 2">
@@ -6159,7 +6188,7 @@
             </p:txBody>
           </p:sp>
         </mc:Choice>
-        <mc:Fallback>
+        <mc:Fallback xmlns="">
           <p:sp>
             <p:nvSpPr>
               <p:cNvPr id="3" name="Content Placeholder 2">
@@ -11139,8 +11168,8 @@
           </a:p>
         </p:txBody>
       </p:sp>
-      <mc:AlternateContent xmlns:mc="http://schemas.openxmlformats.org/markup-compatibility/2006">
-        <mc:Choice xmlns:a14="http://schemas.microsoft.com/office/drawing/2010/main" Requires="a14">
+      <mc:AlternateContent xmlns:mc="http://schemas.openxmlformats.org/markup-compatibility/2006" xmlns:a14="http://schemas.microsoft.com/office/drawing/2010/main">
+        <mc:Choice Requires="a14">
           <p:sp>
             <p:nvSpPr>
               <p:cNvPr id="4" name="Content Placeholder 2">
@@ -11245,7 +11274,7 @@
             </p:txBody>
           </p:sp>
         </mc:Choice>
-        <mc:Fallback>
+        <mc:Fallback xmlns="">
           <p:sp>
             <p:nvSpPr>
               <p:cNvPr id="4" name="Content Placeholder 2">
@@ -12676,32 +12705,6 @@
                   <a:srgbClr val="000000"/>
                 </a:solidFill>
               </a:rPr>
-              <a:t>An example with “</a:t>
-            </a:r>
-            <a:r>
-              <a:rPr lang="en-US" sz="2000" dirty="0" err="1">
-                <a:solidFill>
-                  <a:srgbClr val="000000"/>
-                </a:solidFill>
-              </a:rPr>
-              <a:t>DengAI</a:t>
-            </a:r>
-            <a:r>
-              <a:rPr lang="en-US" sz="2000" dirty="0">
-                <a:solidFill>
-                  <a:srgbClr val="000000"/>
-                </a:solidFill>
-              </a:rPr>
-              <a:t>” prediction</a:t>
-            </a:r>
-          </a:p>
-          <a:p>
-            <a:r>
-              <a:rPr lang="en-US" sz="2000" dirty="0">
-                <a:solidFill>
-                  <a:srgbClr val="000000"/>
-                </a:solidFill>
-              </a:rPr>
               <a:t>Q&amp;A</a:t>
             </a:r>
           </a:p>
@@ -12997,8 +13000,8 @@
           </a:p>
         </p:txBody>
       </p:sp>
-      <mc:AlternateContent xmlns:mc="http://schemas.openxmlformats.org/markup-compatibility/2006">
-        <mc:Choice xmlns:a14="http://schemas.microsoft.com/office/drawing/2010/main" Requires="a14">
+      <mc:AlternateContent xmlns:mc="http://schemas.openxmlformats.org/markup-compatibility/2006" xmlns:a14="http://schemas.microsoft.com/office/drawing/2010/main">
+        <mc:Choice Requires="a14">
           <p:sp>
             <p:nvSpPr>
               <p:cNvPr id="3" name="Content Placeholder 2">
@@ -13128,7 +13131,7 @@
             </p:txBody>
           </p:sp>
         </mc:Choice>
-        <mc:Fallback>
+        <mc:Fallback xmlns="">
           <p:sp>
             <p:nvSpPr>
               <p:cNvPr id="3" name="Content Placeholder 2">
@@ -13528,8 +13531,8 @@
           </a:p>
         </p:txBody>
       </p:sp>
-      <mc:AlternateContent xmlns:mc="http://schemas.openxmlformats.org/markup-compatibility/2006">
-        <mc:Choice xmlns:a14="http://schemas.microsoft.com/office/drawing/2010/main" Requires="a14">
+      <mc:AlternateContent xmlns:mc="http://schemas.openxmlformats.org/markup-compatibility/2006" xmlns:a14="http://schemas.microsoft.com/office/drawing/2010/main">
+        <mc:Choice Requires="a14">
           <p:sp>
             <p:nvSpPr>
               <p:cNvPr id="3" name="Content Placeholder 2">
@@ -13626,7 +13629,7 @@
             </p:txBody>
           </p:sp>
         </mc:Choice>
-        <mc:Fallback>
+        <mc:Fallback xmlns="">
           <p:sp>
             <p:nvSpPr>
               <p:cNvPr id="3" name="Content Placeholder 2">
@@ -14154,8 +14157,8 @@
           </a:p>
         </p:txBody>
       </p:sp>
-      <mc:AlternateContent xmlns:mc="http://schemas.openxmlformats.org/markup-compatibility/2006">
-        <mc:Choice xmlns:a14="http://schemas.microsoft.com/office/drawing/2010/main" Requires="a14">
+      <mc:AlternateContent xmlns:mc="http://schemas.openxmlformats.org/markup-compatibility/2006" xmlns:a14="http://schemas.microsoft.com/office/drawing/2010/main">
+        <mc:Choice Requires="a14">
           <p:sp>
             <p:nvSpPr>
               <p:cNvPr id="3" name="Content Placeholder 2">
@@ -14400,7 +14403,7 @@
             </p:txBody>
           </p:sp>
         </mc:Choice>
-        <mc:Fallback>
+        <mc:Fallback xmlns="">
           <p:sp>
             <p:nvSpPr>
               <p:cNvPr id="3" name="Content Placeholder 2">
